--- a/02-CleanCode&Testing/Testing.pptx
+++ b/02-CleanCode&Testing/Testing.pptx
@@ -5,7 +5,7 @@
     <p:sldMasterId id="2147483780" r:id="rId1"/>
   </p:sldMasterIdLst>
   <p:notesMasterIdLst>
-    <p:notesMasterId r:id="rId32"/>
+    <p:notesMasterId r:id="rId31"/>
   </p:notesMasterIdLst>
   <p:sldIdLst>
     <p:sldId id="256" r:id="rId2"/>
@@ -18,26 +18,25 @@
     <p:sldId id="277" r:id="rId9"/>
     <p:sldId id="270" r:id="rId10"/>
     <p:sldId id="258" r:id="rId11"/>
-    <p:sldId id="261" r:id="rId12"/>
-    <p:sldId id="295" r:id="rId13"/>
-    <p:sldId id="281" r:id="rId14"/>
-    <p:sldId id="296" r:id="rId15"/>
-    <p:sldId id="280" r:id="rId16"/>
-    <p:sldId id="300" r:id="rId17"/>
-    <p:sldId id="301" r:id="rId18"/>
-    <p:sldId id="297" r:id="rId19"/>
-    <p:sldId id="304" r:id="rId20"/>
-    <p:sldId id="284" r:id="rId21"/>
-    <p:sldId id="283" r:id="rId22"/>
-    <p:sldId id="305" r:id="rId23"/>
-    <p:sldId id="291" r:id="rId24"/>
-    <p:sldId id="292" r:id="rId25"/>
-    <p:sldId id="262" r:id="rId26"/>
-    <p:sldId id="287" r:id="rId27"/>
-    <p:sldId id="302" r:id="rId28"/>
-    <p:sldId id="288" r:id="rId29"/>
-    <p:sldId id="289" r:id="rId30"/>
-    <p:sldId id="303" r:id="rId31"/>
+    <p:sldId id="300" r:id="rId12"/>
+    <p:sldId id="261" r:id="rId13"/>
+    <p:sldId id="295" r:id="rId14"/>
+    <p:sldId id="281" r:id="rId15"/>
+    <p:sldId id="296" r:id="rId16"/>
+    <p:sldId id="280" r:id="rId17"/>
+    <p:sldId id="297" r:id="rId18"/>
+    <p:sldId id="304" r:id="rId19"/>
+    <p:sldId id="284" r:id="rId20"/>
+    <p:sldId id="283" r:id="rId21"/>
+    <p:sldId id="305" r:id="rId22"/>
+    <p:sldId id="291" r:id="rId23"/>
+    <p:sldId id="292" r:id="rId24"/>
+    <p:sldId id="262" r:id="rId25"/>
+    <p:sldId id="287" r:id="rId26"/>
+    <p:sldId id="302" r:id="rId27"/>
+    <p:sldId id="288" r:id="rId28"/>
+    <p:sldId id="289" r:id="rId29"/>
+    <p:sldId id="303" r:id="rId30"/>
   </p:sldIdLst>
   <p:sldSz cx="9144000" cy="6858000" type="screen4x3"/>
   <p:notesSz cx="6858000" cy="9144000"/>
@@ -8444,7 +8443,7 @@
           <a:p>
             <a:fld id="{16E5F246-0B7D-44DF-8C1B-EDFCA5DA626A}" type="datetimeFigureOut">
               <a:rPr lang="ru-RU" smtClean="0"/>
-              <a:t>14.11.2013</a:t>
+              <a:t>15.11.2013</a:t>
             </a:fld>
             <a:endParaRPr lang="ru-RU"/>
           </a:p>
@@ -8881,7 +8880,7 @@
           <a:p>
             <a:fld id="{3BAECB10-9972-4830-A584-02C41DAFD45B}" type="slidenum">
               <a:rPr lang="ru-RU" smtClean="0"/>
-              <a:t>16</a:t>
+              <a:t>11</a:t>
             </a:fld>
             <a:endParaRPr lang="ru-RU"/>
           </a:p>
@@ -8990,7 +8989,7 @@
           <a:p>
             <a:fld id="{3BAECB10-9972-4830-A584-02C41DAFD45B}" type="slidenum">
               <a:rPr lang="ru-RU" smtClean="0"/>
-              <a:t>20</a:t>
+              <a:t>19</a:t>
             </a:fld>
             <a:endParaRPr lang="ru-RU"/>
           </a:p>
@@ -9160,7 +9159,7 @@
           <a:p>
             <a:fld id="{3BAECB10-9972-4830-A584-02C41DAFD45B}" type="slidenum">
               <a:rPr lang="ru-RU" smtClean="0"/>
-              <a:t>21</a:t>
+              <a:t>20</a:t>
             </a:fld>
             <a:endParaRPr lang="ru-RU"/>
           </a:p>
@@ -9283,7 +9282,7 @@
           <a:p>
             <a:fld id="{3BAECB10-9972-4830-A584-02C41DAFD45B}" type="slidenum">
               <a:rPr lang="ru-RU" smtClean="0"/>
-              <a:t>22</a:t>
+              <a:t>21</a:t>
             </a:fld>
             <a:endParaRPr lang="ru-RU"/>
           </a:p>
@@ -9483,7 +9482,7 @@
           <a:p>
             <a:fld id="{ED7A5A9E-355E-4F5A-82F5-195339D13266}" type="datetimeFigureOut">
               <a:rPr lang="ru-RU" smtClean="0"/>
-              <a:t>14.11.2013</a:t>
+              <a:t>15.11.2013</a:t>
             </a:fld>
             <a:endParaRPr lang="ru-RU"/>
           </a:p>
@@ -9653,7 +9652,7 @@
           <a:p>
             <a:fld id="{ED7A5A9E-355E-4F5A-82F5-195339D13266}" type="datetimeFigureOut">
               <a:rPr lang="ru-RU" smtClean="0"/>
-              <a:t>14.11.2013</a:t>
+              <a:t>15.11.2013</a:t>
             </a:fld>
             <a:endParaRPr lang="ru-RU"/>
           </a:p>
@@ -9833,7 +9832,7 @@
           <a:p>
             <a:fld id="{ED7A5A9E-355E-4F5A-82F5-195339D13266}" type="datetimeFigureOut">
               <a:rPr lang="ru-RU" smtClean="0"/>
-              <a:t>14.11.2013</a:t>
+              <a:t>15.11.2013</a:t>
             </a:fld>
             <a:endParaRPr lang="ru-RU"/>
           </a:p>
@@ -10003,7 +10002,7 @@
           <a:p>
             <a:fld id="{ED7A5A9E-355E-4F5A-82F5-195339D13266}" type="datetimeFigureOut">
               <a:rPr lang="ru-RU" smtClean="0"/>
-              <a:t>14.11.2013</a:t>
+              <a:t>15.11.2013</a:t>
             </a:fld>
             <a:endParaRPr lang="ru-RU"/>
           </a:p>
@@ -10249,7 +10248,7 @@
           <a:p>
             <a:fld id="{ED7A5A9E-355E-4F5A-82F5-195339D13266}" type="datetimeFigureOut">
               <a:rPr lang="ru-RU" smtClean="0"/>
-              <a:t>14.11.2013</a:t>
+              <a:t>15.11.2013</a:t>
             </a:fld>
             <a:endParaRPr lang="ru-RU"/>
           </a:p>
@@ -10537,7 +10536,7 @@
           <a:p>
             <a:fld id="{ED7A5A9E-355E-4F5A-82F5-195339D13266}" type="datetimeFigureOut">
               <a:rPr lang="ru-RU" smtClean="0"/>
-              <a:t>14.11.2013</a:t>
+              <a:t>15.11.2013</a:t>
             </a:fld>
             <a:endParaRPr lang="ru-RU"/>
           </a:p>
@@ -10959,7 +10958,7 @@
           <a:p>
             <a:fld id="{ED7A5A9E-355E-4F5A-82F5-195339D13266}" type="datetimeFigureOut">
               <a:rPr lang="ru-RU" smtClean="0"/>
-              <a:t>14.11.2013</a:t>
+              <a:t>15.11.2013</a:t>
             </a:fld>
             <a:endParaRPr lang="ru-RU"/>
           </a:p>
@@ -11077,7 +11076,7 @@
           <a:p>
             <a:fld id="{ED7A5A9E-355E-4F5A-82F5-195339D13266}" type="datetimeFigureOut">
               <a:rPr lang="ru-RU" smtClean="0"/>
-              <a:t>14.11.2013</a:t>
+              <a:t>15.11.2013</a:t>
             </a:fld>
             <a:endParaRPr lang="ru-RU"/>
           </a:p>
@@ -11172,7 +11171,7 @@
           <a:p>
             <a:fld id="{ED7A5A9E-355E-4F5A-82F5-195339D13266}" type="datetimeFigureOut">
               <a:rPr lang="ru-RU" smtClean="0"/>
-              <a:t>14.11.2013</a:t>
+              <a:t>15.11.2013</a:t>
             </a:fld>
             <a:endParaRPr lang="ru-RU"/>
           </a:p>
@@ -11449,7 +11448,7 @@
           <a:p>
             <a:fld id="{ED7A5A9E-355E-4F5A-82F5-195339D13266}" type="datetimeFigureOut">
               <a:rPr lang="ru-RU" smtClean="0"/>
-              <a:t>14.11.2013</a:t>
+              <a:t>15.11.2013</a:t>
             </a:fld>
             <a:endParaRPr lang="ru-RU"/>
           </a:p>
@@ -11702,7 +11701,7 @@
           <a:p>
             <a:fld id="{ED7A5A9E-355E-4F5A-82F5-195339D13266}" type="datetimeFigureOut">
               <a:rPr lang="ru-RU" smtClean="0"/>
-              <a:t>14.11.2013</a:t>
+              <a:t>15.11.2013</a:t>
             </a:fld>
             <a:endParaRPr lang="ru-RU"/>
           </a:p>
@@ -11915,7 +11914,7 @@
           <a:p>
             <a:fld id="{ED7A5A9E-355E-4F5A-82F5-195339D13266}" type="datetimeFigureOut">
               <a:rPr lang="ru-RU" smtClean="0"/>
-              <a:t>14.11.2013</a:t>
+              <a:t>15.11.2013</a:t>
             </a:fld>
             <a:endParaRPr lang="ru-RU"/>
           </a:p>
@@ -12336,11 +12335,7 @@
             </a:r>
             <a:r>
               <a:rPr lang="ru-RU" dirty="0" smtClean="0"/>
-              <a:t>, ноябрь </a:t>
-            </a:r>
-            <a:r>
-              <a:rPr lang="ru-RU" dirty="0" smtClean="0"/>
-              <a:t>2013</a:t>
+              <a:t>, ноябрь 2013</a:t>
             </a:r>
             <a:endParaRPr lang="ru-RU" dirty="0"/>
           </a:p>
@@ -12400,11 +12395,7 @@
           <a:p>
             <a:r>
               <a:rPr lang="en-US" dirty="0" smtClean="0"/>
-              <a:t>Test Framework D</a:t>
-            </a:r>
-            <a:r>
-              <a:rPr lang="en-US" dirty="0" smtClean="0"/>
-              <a:t>emo</a:t>
+              <a:t>Test Framework Demo</a:t>
             </a:r>
             <a:endParaRPr lang="ru-RU" dirty="0"/>
           </a:p>
@@ -12464,11 +12455,15 @@
           <a:p>
             <a:r>
               <a:rPr lang="en-US" dirty="0" smtClean="0"/>
-              <a:t>TDD</a:t>
+              <a:t>TDD:</a:t>
+            </a:r>
+            <a:r>
+              <a:rPr lang="ru-RU" dirty="0"/>
+              <a:t> </a:t>
             </a:r>
             <a:r>
               <a:rPr lang="ru-RU" dirty="0" smtClean="0"/>
-              <a:t>-радикализм</a:t>
+              <a:t>Анатомия теста</a:t>
             </a:r>
             <a:endParaRPr lang="ru-RU" dirty="0"/>
           </a:p>
@@ -12489,21 +12484,38 @@
           <a:bodyPr/>
           <a:lstStyle/>
           <a:p>
+            <a:pPr marL="0" indent="0">
+              <a:buNone/>
+            </a:pPr>
             <a:r>
               <a:rPr lang="ru-RU" dirty="0" smtClean="0"/>
-              <a:t>Ни строчки рабочего кода без теста.</a:t>
-            </a:r>
-          </a:p>
-          <a:p>
+              <a:t>Гуру советуют </a:t>
+            </a:r>
+            <a:r>
+              <a:rPr lang="en-US" dirty="0" smtClean="0"/>
+              <a:t>AAA</a:t>
+            </a:r>
             <a:r>
               <a:rPr lang="ru-RU" dirty="0" smtClean="0"/>
-              <a:t>Падающий тест — единственная причина, по которой можно приступать к кодированию рабочей системы</a:t>
+              <a:t>:</a:t>
             </a:r>
           </a:p>
           <a:p>
             <a:r>
               <a:rPr lang="en-US" dirty="0" smtClean="0"/>
-              <a:t>Duct-tape programming</a:t>
+              <a:t>Arrange</a:t>
+            </a:r>
+          </a:p>
+          <a:p>
+            <a:r>
+              <a:rPr lang="en-US" dirty="0" smtClean="0"/>
+              <a:t>Act</a:t>
+            </a:r>
+          </a:p>
+          <a:p>
+            <a:r>
+              <a:rPr lang="en-US" dirty="0" smtClean="0"/>
+              <a:t>Assert</a:t>
             </a:r>
             <a:endParaRPr lang="ru-RU" dirty="0"/>
           </a:p>
@@ -12512,7 +12524,7 @@
     </p:spTree>
     <p:extLst>
       <p:ext uri="{BB962C8B-B14F-4D97-AF65-F5344CB8AC3E}">
-        <p14:creationId xmlns:p14="http://schemas.microsoft.com/office/powerpoint/2010/main" val="3992039917"/>
+        <p14:creationId xmlns:p14="http://schemas.microsoft.com/office/powerpoint/2010/main" val="400814519"/>
       </p:ext>
     </p:extLst>
   </p:cSld>
@@ -12563,11 +12575,11 @@
           <a:p>
             <a:r>
               <a:rPr lang="en-US" dirty="0" smtClean="0"/>
-              <a:t>TDD — </a:t>
+              <a:t>TDD</a:t>
             </a:r>
             <a:r>
               <a:rPr lang="ru-RU" dirty="0" smtClean="0"/>
-              <a:t>спорная техника</a:t>
+              <a:t>-радикализм</a:t>
             </a:r>
             <a:endParaRPr lang="ru-RU" dirty="0"/>
           </a:p>
@@ -12588,28 +12600,30 @@
           <a:bodyPr/>
           <a:lstStyle/>
           <a:p>
-            <a:pPr marL="0" indent="0">
-              <a:buNone/>
-            </a:pPr>
-            <a:r>
-              <a:rPr lang="ru-RU" dirty="0"/>
-              <a:t>н</a:t>
-            </a:r>
             <a:r>
               <a:rPr lang="ru-RU" dirty="0" smtClean="0"/>
-              <a:t>о </a:t>
-            </a:r>
+              <a:t>Ни строчки рабочего кода без теста.</a:t>
+            </a:r>
+          </a:p>
+          <a:p>
             <a:r>
               <a:rPr lang="ru-RU" dirty="0" smtClean="0"/>
-              <a:t>большинство возражений ошибочны!</a:t>
-            </a:r>
+              <a:t>Падающий тест — единственная причина, по которой можно приступать к кодированию рабочей системы</a:t>
+            </a:r>
+          </a:p>
+          <a:p>
+            <a:r>
+              <a:rPr lang="en-US" dirty="0" smtClean="0"/>
+              <a:t>Duct-tape programming</a:t>
+            </a:r>
+            <a:endParaRPr lang="ru-RU" dirty="0"/>
           </a:p>
         </p:txBody>
       </p:sp>
     </p:spTree>
     <p:extLst>
       <p:ext uri="{BB962C8B-B14F-4D97-AF65-F5344CB8AC3E}">
-        <p14:creationId xmlns:p14="http://schemas.microsoft.com/office/powerpoint/2010/main" val="438521335"/>
+        <p14:creationId xmlns:p14="http://schemas.microsoft.com/office/powerpoint/2010/main" val="3992039917"/>
       </p:ext>
     </p:extLst>
   </p:cSld>
@@ -12689,16 +12703,101 @@
               <a:buNone/>
             </a:pPr>
             <a:r>
+              <a:rPr lang="ru-RU" dirty="0"/>
+              <a:t>н</a:t>
+            </a:r>
+            <a:r>
               <a:rPr lang="ru-RU" dirty="0" smtClean="0"/>
-              <a:t>н</a:t>
+              <a:t>о большинство возражений ошибочны!</a:t>
+            </a:r>
+          </a:p>
+        </p:txBody>
+      </p:sp>
+    </p:spTree>
+    <p:extLst>
+      <p:ext uri="{BB962C8B-B14F-4D97-AF65-F5344CB8AC3E}">
+        <p14:creationId xmlns:p14="http://schemas.microsoft.com/office/powerpoint/2010/main" val="438521335"/>
+      </p:ext>
+    </p:extLst>
+  </p:cSld>
+  <p:clrMapOvr>
+    <a:masterClrMapping/>
+  </p:clrMapOvr>
+  <p:timing>
+    <p:tnLst>
+      <p:par>
+        <p:cTn id="1" dur="indefinite" restart="never" nodeType="tmRoot"/>
+      </p:par>
+    </p:tnLst>
+  </p:timing>
+</p:sld>
+</file>
+
+<file path=ppt/slides/slide14.xml><?xml version="1.0" encoding="utf-8"?>
+<p:sld xmlns:a="http://schemas.openxmlformats.org/drawingml/2006/main" xmlns:r="http://schemas.openxmlformats.org/officeDocument/2006/relationships" xmlns:p="http://schemas.openxmlformats.org/presentationml/2006/main">
+  <p:cSld>
+    <p:spTree>
+      <p:nvGrpSpPr>
+        <p:cNvPr id="1" name=""/>
+        <p:cNvGrpSpPr/>
+        <p:nvPr/>
+      </p:nvGrpSpPr>
+      <p:grpSpPr>
+        <a:xfrm>
+          <a:off x="0" y="0"/>
+          <a:ext cx="0" cy="0"/>
+          <a:chOff x="0" y="0"/>
+          <a:chExt cx="0" cy="0"/>
+        </a:xfrm>
+      </p:grpSpPr>
+      <p:sp>
+        <p:nvSpPr>
+          <p:cNvPr id="2" name="Заголовок 1"/>
+          <p:cNvSpPr>
+            <a:spLocks noGrp="1"/>
+          </p:cNvSpPr>
+          <p:nvPr>
+            <p:ph type="title"/>
+          </p:nvPr>
+        </p:nvSpPr>
+        <p:spPr/>
+        <p:txBody>
+          <a:bodyPr/>
+          <a:lstStyle/>
+          <a:p>
+            <a:r>
+              <a:rPr lang="en-US" dirty="0" smtClean="0"/>
+              <a:t>TDD — </a:t>
             </a:r>
             <a:r>
               <a:rPr lang="ru-RU" dirty="0" smtClean="0"/>
-              <a:t>о </a:t>
-            </a:r>
+              <a:t>спорная техника</a:t>
+            </a:r>
+            <a:endParaRPr lang="ru-RU" dirty="0"/>
+          </a:p>
+        </p:txBody>
+      </p:sp>
+      <p:sp>
+        <p:nvSpPr>
+          <p:cNvPr id="3" name="Объект 2"/>
+          <p:cNvSpPr>
+            <a:spLocks noGrp="1"/>
+          </p:cNvSpPr>
+          <p:nvPr>
+            <p:ph idx="1"/>
+          </p:nvPr>
+        </p:nvSpPr>
+        <p:spPr/>
+        <p:txBody>
+          <a:bodyPr/>
+          <a:lstStyle/>
+          <a:p>
+            <a:pPr marL="0" indent="0">
+              <a:buNone/>
+            </a:pPr>
             <a:r>
               <a:rPr lang="ru-RU" dirty="0" smtClean="0"/>
-              <a:t>пожить немного в режиме </a:t>
+              <a:t>но пожить немного в режиме </a:t>
             </a:r>
             <a:r>
               <a:rPr lang="en-US" dirty="0" smtClean="0"/>
@@ -12745,7 +12844,7 @@
 </p:sld>
 </file>
 
-<file path=ppt/slides/slide14.xml><?xml version="1.0" encoding="utf-8"?>
+<file path=ppt/slides/slide15.xml><?xml version="1.0" encoding="utf-8"?>
 <p:sld xmlns:a="http://schemas.openxmlformats.org/drawingml/2006/main" xmlns:r="http://schemas.openxmlformats.org/officeDocument/2006/relationships" xmlns:p="http://schemas.openxmlformats.org/presentationml/2006/main">
   <p:cSld>
     <p:spTree>
@@ -12929,7 +13028,7 @@
 </p:sld>
 </file>
 
-<file path=ppt/slides/slide15.xml><?xml version="1.0" encoding="utf-8"?>
+<file path=ppt/slides/slide16.xml><?xml version="1.0" encoding="utf-8"?>
 <p:sld xmlns:a="http://schemas.openxmlformats.org/drawingml/2006/main" xmlns:r="http://schemas.openxmlformats.org/officeDocument/2006/relationships" xmlns:p="http://schemas.openxmlformats.org/presentationml/2006/main">
   <p:cSld>
     <p:spTree>
@@ -13505,127 +13604,6 @@
 </p:sld>
 </file>
 
-<file path=ppt/slides/slide16.xml><?xml version="1.0" encoding="utf-8"?>
-<p:sld xmlns:a="http://schemas.openxmlformats.org/drawingml/2006/main" xmlns:r="http://schemas.openxmlformats.org/officeDocument/2006/relationships" xmlns:p="http://schemas.openxmlformats.org/presentationml/2006/main">
-  <p:cSld>
-    <p:spTree>
-      <p:nvGrpSpPr>
-        <p:cNvPr id="1" name=""/>
-        <p:cNvGrpSpPr/>
-        <p:nvPr/>
-      </p:nvGrpSpPr>
-      <p:grpSpPr>
-        <a:xfrm>
-          <a:off x="0" y="0"/>
-          <a:ext cx="0" cy="0"/>
-          <a:chOff x="0" y="0"/>
-          <a:chExt cx="0" cy="0"/>
-        </a:xfrm>
-      </p:grpSpPr>
-      <p:sp>
-        <p:nvSpPr>
-          <p:cNvPr id="2" name="Заголовок 1"/>
-          <p:cNvSpPr>
-            <a:spLocks noGrp="1"/>
-          </p:cNvSpPr>
-          <p:nvPr>
-            <p:ph type="title"/>
-          </p:nvPr>
-        </p:nvSpPr>
-        <p:spPr/>
-        <p:txBody>
-          <a:bodyPr/>
-          <a:lstStyle/>
-          <a:p>
-            <a:r>
-              <a:rPr lang="en-US" dirty="0" smtClean="0"/>
-              <a:t>TDD:</a:t>
-            </a:r>
-            <a:r>
-              <a:rPr lang="ru-RU" dirty="0"/>
-              <a:t> </a:t>
-            </a:r>
-            <a:r>
-              <a:rPr lang="ru-RU" dirty="0" smtClean="0"/>
-              <a:t>Анатомия теста</a:t>
-            </a:r>
-            <a:endParaRPr lang="ru-RU" dirty="0"/>
-          </a:p>
-        </p:txBody>
-      </p:sp>
-      <p:sp>
-        <p:nvSpPr>
-          <p:cNvPr id="3" name="Объект 2"/>
-          <p:cNvSpPr>
-            <a:spLocks noGrp="1"/>
-          </p:cNvSpPr>
-          <p:nvPr>
-            <p:ph idx="1"/>
-          </p:nvPr>
-        </p:nvSpPr>
-        <p:spPr/>
-        <p:txBody>
-          <a:bodyPr/>
-          <a:lstStyle/>
-          <a:p>
-            <a:pPr marL="0" indent="0">
-              <a:buNone/>
-            </a:pPr>
-            <a:r>
-              <a:rPr lang="ru-RU" dirty="0" smtClean="0"/>
-              <a:t>Гуру советуют </a:t>
-            </a:r>
-            <a:r>
-              <a:rPr lang="en-US" dirty="0" smtClean="0"/>
-              <a:t>AAA</a:t>
-            </a:r>
-            <a:r>
-              <a:rPr lang="ru-RU" dirty="0" smtClean="0"/>
-              <a:t>:</a:t>
-            </a:r>
-            <a:endParaRPr lang="ru-RU" dirty="0" smtClean="0"/>
-          </a:p>
-          <a:p>
-            <a:r>
-              <a:rPr lang="en-US" dirty="0" smtClean="0"/>
-              <a:t>Arrange</a:t>
-            </a:r>
-          </a:p>
-          <a:p>
-            <a:r>
-              <a:rPr lang="en-US" dirty="0" smtClean="0"/>
-              <a:t>Act</a:t>
-            </a:r>
-          </a:p>
-          <a:p>
-            <a:r>
-              <a:rPr lang="en-US" dirty="0" smtClean="0"/>
-              <a:t>Assert</a:t>
-            </a:r>
-            <a:endParaRPr lang="ru-RU" dirty="0"/>
-          </a:p>
-        </p:txBody>
-      </p:sp>
-    </p:spTree>
-    <p:extLst>
-      <p:ext uri="{BB962C8B-B14F-4D97-AF65-F5344CB8AC3E}">
-        <p14:creationId xmlns:p14="http://schemas.microsoft.com/office/powerpoint/2010/main" val="400814519"/>
-      </p:ext>
-    </p:extLst>
-  </p:cSld>
-  <p:clrMapOvr>
-    <a:masterClrMapping/>
-  </p:clrMapOvr>
-  <p:timing>
-    <p:tnLst>
-      <p:par>
-        <p:cTn id="1" dur="indefinite" restart="never" nodeType="tmRoot"/>
-      </p:par>
-    </p:tnLst>
-  </p:timing>
-</p:sld>
-</file>
-
 <file path=ppt/slides/slide17.xml><?xml version="1.0" encoding="utf-8"?>
 <p:sld xmlns:a="http://schemas.openxmlformats.org/drawingml/2006/main" xmlns:r="http://schemas.openxmlformats.org/officeDocument/2006/relationships" xmlns:p="http://schemas.openxmlformats.org/presentationml/2006/main">
   <p:cSld>
@@ -13659,36 +13637,9 @@
           <a:lstStyle/>
           <a:p>
             <a:r>
-              <a:rPr lang="en-US" dirty="0" smtClean="0"/>
-              <a:t>AAA</a:t>
-            </a:r>
-            <a:r>
               <a:rPr lang="ru-RU" dirty="0" smtClean="0"/>
-              <a:t> </a:t>
-            </a:r>
-            <a:r>
-              <a:rPr lang="en-US" dirty="0" smtClean="0"/>
-              <a:t>Demo</a:t>
-            </a:r>
-            <a:endParaRPr lang="ru-RU" dirty="0"/>
-          </a:p>
-        </p:txBody>
-      </p:sp>
-      <p:sp>
-        <p:nvSpPr>
-          <p:cNvPr id="3" name="Объект 2"/>
-          <p:cNvSpPr>
-            <a:spLocks noGrp="1"/>
-          </p:cNvSpPr>
-          <p:nvPr>
-            <p:ph idx="1"/>
-          </p:nvPr>
-        </p:nvSpPr>
-        <p:spPr/>
-        <p:txBody>
-          <a:bodyPr/>
-          <a:lstStyle/>
-          <a:p>
+              <a:t>Задачки</a:t>
+            </a:r>
             <a:endParaRPr lang="ru-RU" dirty="0"/>
           </a:p>
         </p:txBody>
@@ -13696,7 +13647,7 @@
     </p:spTree>
     <p:extLst>
       <p:ext uri="{BB962C8B-B14F-4D97-AF65-F5344CB8AC3E}">
-        <p14:creationId xmlns:p14="http://schemas.microsoft.com/office/powerpoint/2010/main" val="3230386364"/>
+        <p14:creationId xmlns:p14="http://schemas.microsoft.com/office/powerpoint/2010/main" val="3620007287"/>
       </p:ext>
     </p:extLst>
   </p:cSld>
@@ -13747,66 +13698,6 @@
           <a:p>
             <a:r>
               <a:rPr lang="ru-RU" dirty="0" smtClean="0"/>
-              <a:t>Задачки</a:t>
-            </a:r>
-            <a:endParaRPr lang="ru-RU" dirty="0"/>
-          </a:p>
-        </p:txBody>
-      </p:sp>
-    </p:spTree>
-    <p:extLst>
-      <p:ext uri="{BB962C8B-B14F-4D97-AF65-F5344CB8AC3E}">
-        <p14:creationId xmlns:p14="http://schemas.microsoft.com/office/powerpoint/2010/main" val="3620007287"/>
-      </p:ext>
-    </p:extLst>
-  </p:cSld>
-  <p:clrMapOvr>
-    <a:masterClrMapping/>
-  </p:clrMapOvr>
-  <p:timing>
-    <p:tnLst>
-      <p:par>
-        <p:cTn id="1" dur="indefinite" restart="never" nodeType="tmRoot"/>
-      </p:par>
-    </p:tnLst>
-  </p:timing>
-</p:sld>
-</file>
-
-<file path=ppt/slides/slide19.xml><?xml version="1.0" encoding="utf-8"?>
-<p:sld xmlns:a="http://schemas.openxmlformats.org/drawingml/2006/main" xmlns:r="http://schemas.openxmlformats.org/officeDocument/2006/relationships" xmlns:p="http://schemas.openxmlformats.org/presentationml/2006/main">
-  <p:cSld>
-    <p:spTree>
-      <p:nvGrpSpPr>
-        <p:cNvPr id="1" name=""/>
-        <p:cNvGrpSpPr/>
-        <p:nvPr/>
-      </p:nvGrpSpPr>
-      <p:grpSpPr>
-        <a:xfrm>
-          <a:off x="0" y="0"/>
-          <a:ext cx="0" cy="0"/>
-          <a:chOff x="0" y="0"/>
-          <a:chExt cx="0" cy="0"/>
-        </a:xfrm>
-      </p:grpSpPr>
-      <p:sp>
-        <p:nvSpPr>
-          <p:cNvPr id="2" name="Заголовок 1"/>
-          <p:cNvSpPr>
-            <a:spLocks noGrp="1"/>
-          </p:cNvSpPr>
-          <p:nvPr>
-            <p:ph type="title"/>
-          </p:nvPr>
-        </p:nvSpPr>
-        <p:spPr/>
-        <p:txBody>
-          <a:bodyPr/>
-          <a:lstStyle/>
-          <a:p>
-            <a:r>
-              <a:rPr lang="ru-RU" dirty="0" smtClean="0"/>
               <a:t>20 минут практики</a:t>
             </a:r>
             <a:endParaRPr lang="ru-RU" dirty="0"/>
@@ -13848,7 +13739,11 @@
             </a:pPr>
             <a:r>
               <a:rPr lang="en-US" dirty="0" smtClean="0"/>
-              <a:t>[f 1](f2)”f3” </a:t>
+              <a:t>[f </a:t>
+            </a:r>
+            <a:r>
+              <a:rPr lang="en-US" dirty="0" smtClean="0"/>
+              <a:t>“1”](f2)«f3”» </a:t>
             </a:r>
             <a:r>
               <a:rPr lang="ru-RU" dirty="0" smtClean="0"/>
@@ -13865,7 +13760,23 @@
             </a:r>
             <a:r>
               <a:rPr lang="en-US" dirty="0" smtClean="0"/>
-              <a:t>f 1</a:t>
+              <a:t>f </a:t>
+            </a:r>
+            <a:r>
+              <a:rPr lang="en-US" dirty="0" smtClean="0"/>
+              <a:t>“1”</a:t>
+            </a:r>
+            <a:r>
+              <a:rPr lang="ru-RU" dirty="0" smtClean="0"/>
+              <a:t>», </a:t>
+            </a:r>
+            <a:r>
+              <a:rPr lang="ru-RU" dirty="0" smtClean="0"/>
+              <a:t>«</a:t>
+            </a:r>
+            <a:r>
+              <a:rPr lang="en-US" dirty="0" smtClean="0"/>
+              <a:t>f 2</a:t>
             </a:r>
             <a:r>
               <a:rPr lang="ru-RU" dirty="0" smtClean="0"/>
@@ -13873,15 +13784,7 @@
             </a:r>
             <a:r>
               <a:rPr lang="en-US" dirty="0" smtClean="0"/>
-              <a:t>f 2</a:t>
-            </a:r>
-            <a:r>
-              <a:rPr lang="ru-RU" dirty="0" smtClean="0"/>
-              <a:t>», «</a:t>
-            </a:r>
-            <a:r>
-              <a:rPr lang="en-US" dirty="0" smtClean="0"/>
-              <a:t>f3</a:t>
+              <a:t>f3”</a:t>
             </a:r>
             <a:r>
               <a:rPr lang="ru-RU" dirty="0" smtClean="0"/>
@@ -14311,6 +14214,128 @@
       <p:bldP spid="4" grpId="0" animBg="1"/>
       <p:bldP spid="5" grpId="0" animBg="1"/>
     </p:bldLst>
+  </p:timing>
+</p:sld>
+</file>
+
+<file path=ppt/slides/slide19.xml><?xml version="1.0" encoding="utf-8"?>
+<p:sld xmlns:a="http://schemas.openxmlformats.org/drawingml/2006/main" xmlns:r="http://schemas.openxmlformats.org/officeDocument/2006/relationships" xmlns:p="http://schemas.openxmlformats.org/presentationml/2006/main">
+  <p:cSld>
+    <p:spTree>
+      <p:nvGrpSpPr>
+        <p:cNvPr id="1" name=""/>
+        <p:cNvGrpSpPr/>
+        <p:nvPr/>
+      </p:nvGrpSpPr>
+      <p:grpSpPr>
+        <a:xfrm>
+          <a:off x="0" y="0"/>
+          <a:ext cx="0" cy="0"/>
+          <a:chOff x="0" y="0"/>
+          <a:chExt cx="0" cy="0"/>
+        </a:xfrm>
+      </p:grpSpPr>
+      <p:sp>
+        <p:nvSpPr>
+          <p:cNvPr id="2" name="Заголовок 1"/>
+          <p:cNvSpPr>
+            <a:spLocks noGrp="1"/>
+          </p:cNvSpPr>
+          <p:nvPr>
+            <p:ph type="title"/>
+          </p:nvPr>
+        </p:nvSpPr>
+        <p:spPr/>
+        <p:txBody>
+          <a:bodyPr/>
+          <a:lstStyle/>
+          <a:p>
+            <a:r>
+              <a:rPr lang="ru-RU" dirty="0" smtClean="0"/>
+              <a:t>Как тестировать?</a:t>
+            </a:r>
+            <a:endParaRPr lang="ru-RU" dirty="0"/>
+          </a:p>
+        </p:txBody>
+      </p:sp>
+      <p:sp>
+        <p:nvSpPr>
+          <p:cNvPr id="3" name="Объект 2"/>
+          <p:cNvSpPr>
+            <a:spLocks noGrp="1"/>
+          </p:cNvSpPr>
+          <p:nvPr>
+            <p:ph idx="1"/>
+          </p:nvPr>
+        </p:nvSpPr>
+        <p:spPr/>
+        <p:txBody>
+          <a:bodyPr/>
+          <a:lstStyle/>
+          <a:p>
+            <a:pPr marL="0" indent="0">
+              <a:buNone/>
+            </a:pPr>
+            <a:r>
+              <a:rPr lang="ru-RU" dirty="0" smtClean="0"/>
+              <a:t>Утилита:</a:t>
+            </a:r>
+          </a:p>
+          <a:p>
+            <a:r>
+              <a:rPr lang="ru-RU" dirty="0" smtClean="0"/>
+              <a:t>Читает файл в </a:t>
+            </a:r>
+            <a:r>
+              <a:rPr lang="en-US" dirty="0" smtClean="0"/>
+              <a:t>XML-</a:t>
+            </a:r>
+            <a:r>
+              <a:rPr lang="ru-RU" dirty="0" smtClean="0"/>
+              <a:t>формате</a:t>
+            </a:r>
+          </a:p>
+          <a:p>
+            <a:r>
+              <a:rPr lang="ru-RU" dirty="0" smtClean="0"/>
+              <a:t>Сохраняет прочитанные данные в </a:t>
+            </a:r>
+            <a:r>
+              <a:rPr lang="en-US" dirty="0" smtClean="0"/>
+              <a:t>CSV</a:t>
+            </a:r>
+            <a:r>
+              <a:rPr lang="ru-RU" dirty="0" smtClean="0"/>
+              <a:t>-файл</a:t>
+            </a:r>
+          </a:p>
+          <a:p>
+            <a:pPr marL="0" indent="0">
+              <a:buNone/>
+            </a:pPr>
+            <a:endParaRPr lang="ru-RU" dirty="0" smtClean="0"/>
+          </a:p>
+          <a:p>
+            <a:endParaRPr lang="ru-RU" dirty="0"/>
+          </a:p>
+        </p:txBody>
+      </p:sp>
+    </p:spTree>
+    <p:extLst>
+      <p:ext uri="{BB962C8B-B14F-4D97-AF65-F5344CB8AC3E}">
+        <p14:creationId xmlns:p14="http://schemas.microsoft.com/office/powerpoint/2010/main" val="1488962600"/>
+      </p:ext>
+    </p:extLst>
+  </p:cSld>
+  <p:clrMapOvr>
+    <a:masterClrMapping/>
+  </p:clrMapOvr>
+  <p:timing>
+    <p:tnLst>
+      <p:par>
+        <p:cTn id="1" dur="indefinite" restart="never" nodeType="tmRoot"/>
+      </p:par>
+    </p:tnLst>
   </p:timing>
 </p:sld>
 </file>
@@ -14934,7 +14959,11 @@
           <a:p>
             <a:r>
               <a:rPr lang="ru-RU" dirty="0" smtClean="0"/>
-              <a:t>Как тестировать?</a:t>
+              <a:t>Как тестировать</a:t>
+            </a:r>
+            <a:r>
+              <a:rPr lang="en-US" dirty="0" smtClean="0"/>
+              <a:t>?</a:t>
             </a:r>
             <a:endParaRPr lang="ru-RU" dirty="0"/>
           </a:p>
@@ -14952,7 +14981,9 @@
         </p:nvSpPr>
         <p:spPr/>
         <p:txBody>
-          <a:bodyPr/>
+          <a:bodyPr>
+            <a:normAutofit/>
+          </a:bodyPr>
           <a:lstStyle/>
           <a:p>
             <a:pPr marL="0" indent="0">
@@ -14960,35 +14991,76 @@
             </a:pPr>
             <a:r>
               <a:rPr lang="ru-RU" dirty="0" smtClean="0"/>
-              <a:t>Утилита:</a:t>
-            </a:r>
-          </a:p>
-          <a:p>
+              <a:t>Бот для магазина в </a:t>
+            </a:r>
+            <a:r>
+              <a:rPr lang="en-US" dirty="0" smtClean="0"/>
+              <a:t>online RPG</a:t>
+            </a:r>
             <a:r>
               <a:rPr lang="ru-RU" dirty="0" smtClean="0"/>
-              <a:t>Читает файл в </a:t>
-            </a:r>
-            <a:r>
-              <a:rPr lang="en-US" dirty="0" smtClean="0"/>
-              <a:t>XML-</a:t>
-            </a:r>
+              <a:t>-игре:</a:t>
+            </a:r>
+          </a:p>
+          <a:p>
+            <a:pPr>
+              <a:buFont typeface="Arial" charset="0"/>
+              <a:buChar char="•"/>
+            </a:pPr>
             <a:r>
               <a:rPr lang="ru-RU" dirty="0" smtClean="0"/>
-              <a:t>формате</a:t>
-            </a:r>
-          </a:p>
-          <a:p>
+              <a:t>Каждые 10 минут проверяет наличие «крутых» шмоток в продаже:</a:t>
+            </a:r>
+          </a:p>
+          <a:p>
+            <a:pPr lvl="1">
+              <a:buFont typeface="Arial" charset="0"/>
+              <a:buChar char="•"/>
+            </a:pPr>
             <a:r>
               <a:rPr lang="ru-RU" dirty="0" smtClean="0"/>
-              <a:t>Сохраняет прочитанные данные в </a:t>
-            </a:r>
-            <a:r>
-              <a:rPr lang="en-US" dirty="0" smtClean="0"/>
-              <a:t>CSV</a:t>
+              <a:t>С большим бонусом к «силе»</a:t>
+            </a:r>
+          </a:p>
+          <a:p>
+            <a:pPr lvl="1">
+              <a:buFont typeface="Arial" charset="0"/>
+              <a:buChar char="•"/>
+            </a:pPr>
+            <a:r>
+              <a:rPr lang="ru-RU" dirty="0" err="1" smtClean="0"/>
+              <a:t>Готично</a:t>
             </a:r>
             <a:r>
               <a:rPr lang="ru-RU" dirty="0" smtClean="0"/>
-              <a:t>-файл</a:t>
+              <a:t>-черного цвета.</a:t>
+            </a:r>
+          </a:p>
+          <a:p>
+            <a:pPr lvl="1">
+              <a:buFont typeface="Arial" charset="0"/>
+              <a:buChar char="•"/>
+            </a:pPr>
+            <a:r>
+              <a:rPr lang="ru-RU" dirty="0" smtClean="0"/>
+              <a:t>По выгодной цене.</a:t>
+            </a:r>
+          </a:p>
+          <a:p>
+            <a:pPr>
+              <a:buFont typeface="Arial" charset="0"/>
+              <a:buChar char="•"/>
+            </a:pPr>
+            <a:endParaRPr lang="ru-RU" dirty="0" smtClean="0"/>
+          </a:p>
+          <a:p>
+            <a:pPr>
+              <a:buFont typeface="Arial" charset="0"/>
+              <a:buChar char="•"/>
+            </a:pPr>
+            <a:r>
+              <a:rPr lang="ru-RU" dirty="0" smtClean="0"/>
+              <a:t>Если есть — сигнализирует владельцу.</a:t>
             </a:r>
           </a:p>
           <a:p>
@@ -14998,14 +15070,17 @@
             <a:endParaRPr lang="ru-RU" dirty="0" smtClean="0"/>
           </a:p>
           <a:p>
-            <a:endParaRPr lang="ru-RU" dirty="0"/>
+            <a:pPr marL="0" indent="0">
+              <a:buNone/>
+            </a:pPr>
+            <a:endParaRPr lang="ru-RU" dirty="0" smtClean="0"/>
           </a:p>
         </p:txBody>
       </p:sp>
     </p:spTree>
     <p:extLst>
       <p:ext uri="{BB962C8B-B14F-4D97-AF65-F5344CB8AC3E}">
-        <p14:creationId xmlns:p14="http://schemas.microsoft.com/office/powerpoint/2010/main" val="1488962600"/>
+        <p14:creationId xmlns:p14="http://schemas.microsoft.com/office/powerpoint/2010/main" val="2974844981"/>
       </p:ext>
     </p:extLst>
   </p:cSld>
@@ -15051,133 +15126,23 @@
         </p:nvSpPr>
         <p:spPr/>
         <p:txBody>
-          <a:bodyPr/>
-          <a:lstStyle/>
-          <a:p>
-            <a:r>
-              <a:rPr lang="ru-RU" dirty="0" smtClean="0"/>
-              <a:t>Как тестировать</a:t>
-            </a:r>
-            <a:r>
-              <a:rPr lang="en-US" dirty="0" smtClean="0"/>
-              <a:t>?</a:t>
-            </a:r>
-            <a:endParaRPr lang="ru-RU" dirty="0"/>
-          </a:p>
-        </p:txBody>
-      </p:sp>
-      <p:sp>
-        <p:nvSpPr>
-          <p:cNvPr id="3" name="Объект 2"/>
-          <p:cNvSpPr>
-            <a:spLocks noGrp="1"/>
-          </p:cNvSpPr>
-          <p:nvPr>
-            <p:ph idx="1"/>
-          </p:nvPr>
-        </p:nvSpPr>
-        <p:spPr/>
-        <p:txBody>
           <a:bodyPr>
             <a:normAutofit/>
           </a:bodyPr>
           <a:lstStyle/>
           <a:p>
-            <a:pPr marL="0" indent="0">
-              <a:buNone/>
-            </a:pPr>
-            <a:r>
-              <a:rPr lang="ru-RU" dirty="0" smtClean="0"/>
-              <a:t>Бот для магазина в </a:t>
-            </a:r>
             <a:r>
               <a:rPr lang="en-US" dirty="0" smtClean="0"/>
-              <a:t>online RPG</a:t>
-            </a:r>
-            <a:r>
-              <a:rPr lang="ru-RU" dirty="0" smtClean="0"/>
-              <a:t>-игре:</a:t>
-            </a:r>
-          </a:p>
-          <a:p>
-            <a:pPr>
-              <a:buFont typeface="Arial" charset="0"/>
-              <a:buChar char="•"/>
-            </a:pPr>
-            <a:r>
-              <a:rPr lang="ru-RU" dirty="0" smtClean="0"/>
-              <a:t>Каждые 10 минут проверяет наличие «крутых» шмоток в продаже:</a:t>
-            </a:r>
-          </a:p>
-          <a:p>
-            <a:pPr lvl="1">
-              <a:buFont typeface="Arial" charset="0"/>
-              <a:buChar char="•"/>
-            </a:pPr>
-            <a:r>
-              <a:rPr lang="ru-RU" dirty="0" smtClean="0"/>
-              <a:t>С большим бонусом к «силе»</a:t>
-            </a:r>
-          </a:p>
-          <a:p>
-            <a:pPr lvl="1">
-              <a:buFont typeface="Arial" charset="0"/>
-              <a:buChar char="•"/>
-            </a:pPr>
-            <a:r>
-              <a:rPr lang="ru-RU" dirty="0" err="1" smtClean="0"/>
-              <a:t>Готично</a:t>
-            </a:r>
-            <a:r>
-              <a:rPr lang="ru-RU" dirty="0" smtClean="0"/>
-              <a:t>-черного цвета.</a:t>
-            </a:r>
-          </a:p>
-          <a:p>
-            <a:pPr lvl="1">
-              <a:buFont typeface="Arial" charset="0"/>
-              <a:buChar char="•"/>
-            </a:pPr>
-            <a:r>
-              <a:rPr lang="ru-RU" dirty="0" smtClean="0"/>
-              <a:t>По выгодной цене.</a:t>
-            </a:r>
-          </a:p>
-          <a:p>
-            <a:pPr>
-              <a:buFont typeface="Arial" charset="0"/>
-              <a:buChar char="•"/>
-            </a:pPr>
-            <a:endParaRPr lang="ru-RU" dirty="0" smtClean="0"/>
-          </a:p>
-          <a:p>
-            <a:pPr>
-              <a:buFont typeface="Arial" charset="0"/>
-              <a:buChar char="•"/>
-            </a:pPr>
-            <a:r>
-              <a:rPr lang="ru-RU" dirty="0" smtClean="0"/>
-              <a:t>Если есть — сигнализирует владельцу.</a:t>
-            </a:r>
-          </a:p>
-          <a:p>
-            <a:pPr marL="0" indent="0">
-              <a:buNone/>
-            </a:pPr>
-            <a:endParaRPr lang="ru-RU" dirty="0" smtClean="0"/>
-          </a:p>
-          <a:p>
-            <a:pPr marL="0" indent="0">
-              <a:buNone/>
-            </a:pPr>
-            <a:endParaRPr lang="ru-RU" dirty="0" smtClean="0"/>
+              <a:t>Design for Testability</a:t>
+            </a:r>
+            <a:endParaRPr lang="ru-RU" dirty="0"/>
           </a:p>
         </p:txBody>
       </p:sp>
     </p:spTree>
     <p:extLst>
       <p:ext uri="{BB962C8B-B14F-4D97-AF65-F5344CB8AC3E}">
-        <p14:creationId xmlns:p14="http://schemas.microsoft.com/office/powerpoint/2010/main" val="2974844981"/>
+        <p14:creationId xmlns:p14="http://schemas.microsoft.com/office/powerpoint/2010/main" val="900368863"/>
       </p:ext>
     </p:extLst>
   </p:cSld>
@@ -15223,14 +15188,12 @@
         </p:nvSpPr>
         <p:spPr/>
         <p:txBody>
-          <a:bodyPr>
-            <a:normAutofit/>
-          </a:bodyPr>
+          <a:bodyPr/>
           <a:lstStyle/>
           <a:p>
             <a:r>
-              <a:rPr lang="en-US" dirty="0" smtClean="0"/>
-              <a:t>Design for Testability</a:t>
+              <a:rPr lang="ru-RU" dirty="0" smtClean="0"/>
+              <a:t>Вопросы?</a:t>
             </a:r>
             <a:endParaRPr lang="ru-RU" dirty="0"/>
           </a:p>
@@ -15239,7 +15202,7 @@
     </p:spTree>
     <p:extLst>
       <p:ext uri="{BB962C8B-B14F-4D97-AF65-F5344CB8AC3E}">
-        <p14:creationId xmlns:p14="http://schemas.microsoft.com/office/powerpoint/2010/main" val="900368863"/>
+        <p14:creationId xmlns:p14="http://schemas.microsoft.com/office/powerpoint/2010/main" val="3765261411"/>
       </p:ext>
     </p:extLst>
   </p:cSld>
@@ -15290,16 +15253,35 @@
           <a:p>
             <a:r>
               <a:rPr lang="ru-RU" dirty="0" smtClean="0"/>
-              <a:t>Вопросы?</a:t>
+              <a:t>Бонус!</a:t>
             </a:r>
             <a:endParaRPr lang="ru-RU" dirty="0"/>
+          </a:p>
+        </p:txBody>
+      </p:sp>
+      <p:sp>
+        <p:nvSpPr>
+          <p:cNvPr id="3" name="Объект 2"/>
+          <p:cNvSpPr>
+            <a:spLocks noGrp="1"/>
+          </p:cNvSpPr>
+          <p:nvPr>
+            <p:ph idx="1"/>
+          </p:nvPr>
+        </p:nvSpPr>
+        <p:spPr/>
+        <p:txBody>
+          <a:bodyPr/>
+          <a:lstStyle/>
+          <a:p>
+            <a:endParaRPr lang="ru-RU"/>
           </a:p>
         </p:txBody>
       </p:sp>
     </p:spTree>
     <p:extLst>
       <p:ext uri="{BB962C8B-B14F-4D97-AF65-F5344CB8AC3E}">
-        <p14:creationId xmlns:p14="http://schemas.microsoft.com/office/powerpoint/2010/main" val="3765261411"/>
+        <p14:creationId xmlns:p14="http://schemas.microsoft.com/office/powerpoint/2010/main" val="2563966107"/>
       </p:ext>
     </p:extLst>
   </p:cSld>
@@ -15350,7 +15332,7 @@
           <a:p>
             <a:r>
               <a:rPr lang="ru-RU" dirty="0" smtClean="0"/>
-              <a:t>Бонус!</a:t>
+              <a:t>Интеллектуальные задачи</a:t>
             </a:r>
             <a:endParaRPr lang="ru-RU" dirty="0"/>
           </a:p>
@@ -15371,14 +15353,49 @@
           <a:bodyPr/>
           <a:lstStyle/>
           <a:p>
-            <a:endParaRPr lang="ru-RU"/>
+            <a:pPr marL="0" indent="0">
+              <a:buNone/>
+            </a:pPr>
+            <a:r>
+              <a:rPr lang="ru-RU" sz="2800" dirty="0" smtClean="0"/>
+              <a:t>Иногда возможен алгоритм решающий задачу лишь с некоторой вероятностью/точностью.</a:t>
+            </a:r>
+          </a:p>
+          <a:p>
+            <a:pPr marL="0" indent="0">
+              <a:buNone/>
+            </a:pPr>
+            <a:r>
+              <a:rPr lang="en-US" dirty="0" smtClean="0"/>
+              <a:t>Google Search, Sound hound, Face detection, </a:t>
+            </a:r>
+            <a:r>
+              <a:rPr lang="ru-RU" dirty="0" smtClean="0"/>
+              <a:t>предсказание нагрузки, …</a:t>
+            </a:r>
+          </a:p>
+          <a:p>
+            <a:pPr marL="0" indent="0">
+              <a:buNone/>
+            </a:pPr>
+            <a:endParaRPr lang="ru-RU" dirty="0" smtClean="0"/>
+          </a:p>
+          <a:p>
+            <a:pPr marL="0" indent="0">
+              <a:buNone/>
+            </a:pPr>
+            <a:r>
+              <a:rPr lang="ru-RU" dirty="0" smtClean="0"/>
+              <a:t>Как их тестировать?!</a:t>
+            </a:r>
+            <a:endParaRPr lang="ru-RU" dirty="0"/>
           </a:p>
         </p:txBody>
       </p:sp>
     </p:spTree>
     <p:extLst>
       <p:ext uri="{BB962C8B-B14F-4D97-AF65-F5344CB8AC3E}">
-        <p14:creationId xmlns:p14="http://schemas.microsoft.com/office/powerpoint/2010/main" val="2563966107"/>
+        <p14:creationId xmlns:p14="http://schemas.microsoft.com/office/powerpoint/2010/main" val="4133405612"/>
       </p:ext>
     </p:extLst>
   </p:cSld>
@@ -15424,12 +15441,14 @@
         </p:nvSpPr>
         <p:spPr/>
         <p:txBody>
-          <a:bodyPr/>
+          <a:bodyPr>
+            <a:normAutofit fontScale="90000"/>
+          </a:bodyPr>
           <a:lstStyle/>
           <a:p>
             <a:r>
               <a:rPr lang="ru-RU" dirty="0" smtClean="0"/>
-              <a:t>Интеллектуальные задачи</a:t>
+              <a:t>Интеллектуальные задачи. Пример</a:t>
             </a:r>
             <a:endParaRPr lang="ru-RU" dirty="0"/>
           </a:p>
@@ -15445,7 +15464,12 @@
             <p:ph idx="1"/>
           </p:nvPr>
         </p:nvSpPr>
-        <p:spPr/>
+        <p:spPr>
+          <a:xfrm>
+            <a:off x="395536" y="1600200"/>
+            <a:ext cx="8424936" cy="4525963"/>
+          </a:xfrm>
+        </p:spPr>
         <p:txBody>
           <a:bodyPr/>
           <a:lstStyle/>
@@ -15454,8 +15478,8 @@
               <a:buNone/>
             </a:pPr>
             <a:r>
-              <a:rPr lang="ru-RU" sz="2800" dirty="0" smtClean="0"/>
-              <a:t>Иногда возможен алгоритм решающий задачу лишь с некоторой вероятностью/точностью.</a:t>
+              <a:rPr lang="ru-RU" dirty="0" smtClean="0"/>
+              <a:t>По фотографии ночного неба, определить, ясная погода или нет? </a:t>
             </a:r>
           </a:p>
           <a:p>
@@ -15463,27 +15487,8 @@
               <a:buNone/>
             </a:pPr>
             <a:r>
-              <a:rPr lang="en-US" dirty="0" smtClean="0"/>
-              <a:t>Google Search, Sound hound, Face detection, </a:t>
-            </a:r>
-            <a:r>
               <a:rPr lang="ru-RU" dirty="0" smtClean="0"/>
-              <a:t>предсказание нагрузки, …</a:t>
-            </a:r>
-          </a:p>
-          <a:p>
-            <a:pPr marL="0" indent="0">
-              <a:buNone/>
-            </a:pPr>
-            <a:endParaRPr lang="ru-RU" dirty="0" smtClean="0"/>
-          </a:p>
-          <a:p>
-            <a:pPr marL="0" indent="0">
-              <a:buNone/>
-            </a:pPr>
-            <a:r>
-              <a:rPr lang="ru-RU" dirty="0" smtClean="0"/>
-              <a:t>Как их тестировать?!</a:t>
+              <a:t>(если ясная, то автоматика должна включить телескоп и начать снимать звезды)</a:t>
             </a:r>
             <a:endParaRPr lang="ru-RU" dirty="0"/>
           </a:p>
@@ -15492,7 +15497,7 @@
     </p:spTree>
     <p:extLst>
       <p:ext uri="{BB962C8B-B14F-4D97-AF65-F5344CB8AC3E}">
-        <p14:creationId xmlns:p14="http://schemas.microsoft.com/office/powerpoint/2010/main" val="4133405612"/>
+        <p14:creationId xmlns:p14="http://schemas.microsoft.com/office/powerpoint/2010/main" val="1663777083"/>
       </p:ext>
     </p:extLst>
   </p:cSld>
@@ -15538,14 +15543,12 @@
         </p:nvSpPr>
         <p:spPr/>
         <p:txBody>
-          <a:bodyPr>
-            <a:normAutofit fontScale="90000"/>
-          </a:bodyPr>
+          <a:bodyPr/>
           <a:lstStyle/>
           <a:p>
             <a:r>
               <a:rPr lang="ru-RU" dirty="0" smtClean="0"/>
-              <a:t>Интеллектуальные задачи. Пример</a:t>
+              <a:t>А решена ли задача?</a:t>
             </a:r>
             <a:endParaRPr lang="ru-RU" dirty="0"/>
           </a:p>
@@ -15561,12 +15564,7 @@
             <p:ph idx="1"/>
           </p:nvPr>
         </p:nvSpPr>
-        <p:spPr>
-          <a:xfrm>
-            <a:off x="395536" y="1600200"/>
-            <a:ext cx="8424936" cy="4525963"/>
-          </a:xfrm>
-        </p:spPr>
+        <p:spPr/>
         <p:txBody>
           <a:bodyPr/>
           <a:lstStyle/>
@@ -15576,7 +15574,7 @@
             </a:pPr>
             <a:r>
               <a:rPr lang="ru-RU" dirty="0" smtClean="0"/>
-              <a:t>По фотографии ночного неба, определить, ясная погода или нет? </a:t>
+              <a:t>Легко придумать целую кучу эвристик, которые будут якобы решать эту задачу.</a:t>
             </a:r>
           </a:p>
           <a:p>
@@ -15585,7 +15583,7 @@
             </a:pPr>
             <a:r>
               <a:rPr lang="ru-RU" dirty="0" smtClean="0"/>
-              <a:t>(если ясная, то автоматика должна включить телескоп и начать снимать звезды)</a:t>
+              <a:t>Но как понять, что задача решена хорошо?</a:t>
             </a:r>
             <a:endParaRPr lang="ru-RU" dirty="0"/>
           </a:p>
@@ -15594,7 +15592,7 @@
     </p:spTree>
     <p:extLst>
       <p:ext uri="{BB962C8B-B14F-4D97-AF65-F5344CB8AC3E}">
-        <p14:creationId xmlns:p14="http://schemas.microsoft.com/office/powerpoint/2010/main" val="1663777083"/>
+        <p14:creationId xmlns:p14="http://schemas.microsoft.com/office/powerpoint/2010/main" val="823070063"/>
       </p:ext>
     </p:extLst>
   </p:cSld>
@@ -15640,12 +15638,14 @@
         </p:nvSpPr>
         <p:spPr/>
         <p:txBody>
-          <a:bodyPr/>
+          <a:bodyPr>
+            <a:normAutofit/>
+          </a:bodyPr>
           <a:lstStyle/>
           <a:p>
             <a:r>
               <a:rPr lang="ru-RU" dirty="0" smtClean="0"/>
-              <a:t>А решена ли задача?</a:t>
+              <a:t>Тестовая база</a:t>
             </a:r>
             <a:endParaRPr lang="ru-RU" dirty="0"/>
           </a:p>
@@ -15671,16 +15671,22 @@
             </a:pPr>
             <a:r>
               <a:rPr lang="ru-RU" dirty="0" smtClean="0"/>
-              <a:t>Легко придумать целую кучу эвристик, которые будут якобы решать эту задачу.</a:t>
+              <a:t>Выбрать сотню разнообразных фотографий и классифицировать каждую из них вручную.</a:t>
             </a:r>
           </a:p>
           <a:p>
             <a:pPr marL="0" indent="0">
               <a:buNone/>
             </a:pPr>
+            <a:endParaRPr lang="ru-RU" dirty="0"/>
+          </a:p>
+          <a:p>
+            <a:pPr marL="0" indent="0">
+              <a:buNone/>
+            </a:pPr>
             <a:r>
               <a:rPr lang="ru-RU" dirty="0" smtClean="0"/>
-              <a:t>Но как понять, что задача решена хорошо?</a:t>
+              <a:t>Теперь можно измерять согласие автоматического метода и человека-оценщика.</a:t>
             </a:r>
             <a:endParaRPr lang="ru-RU" dirty="0"/>
           </a:p>
@@ -15689,7 +15695,7 @@
     </p:spTree>
     <p:extLst>
       <p:ext uri="{BB962C8B-B14F-4D97-AF65-F5344CB8AC3E}">
-        <p14:creationId xmlns:p14="http://schemas.microsoft.com/office/powerpoint/2010/main" val="823070063"/>
+        <p14:creationId xmlns:p14="http://schemas.microsoft.com/office/powerpoint/2010/main" val="3119327261"/>
       </p:ext>
     </p:extLst>
   </p:cSld>
@@ -15736,13 +15742,20 @@
         <p:spPr/>
         <p:txBody>
           <a:bodyPr>
-            <a:normAutofit/>
+            <a:normAutofit fontScale="90000"/>
           </a:bodyPr>
           <a:lstStyle/>
           <a:p>
             <a:r>
               <a:rPr lang="ru-RU" dirty="0" smtClean="0"/>
-              <a:t>Тестовая база</a:t>
+              <a:t>Интеллектуальные задачи.</a:t>
+            </a:r>
+            <a:br>
+              <a:rPr lang="ru-RU" dirty="0" smtClean="0"/>
+            </a:br>
+            <a:r>
+              <a:rPr lang="ru-RU" dirty="0" smtClean="0"/>
+              <a:t>Что такое качество?</a:t>
             </a:r>
             <a:endParaRPr lang="ru-RU" dirty="0"/>
           </a:p>
@@ -15768,31 +15781,62 @@
             </a:pPr>
             <a:r>
               <a:rPr lang="ru-RU" dirty="0" smtClean="0"/>
-              <a:t>Выбрать сотню разнообразных фотографий и классифицировать каждую из них вручную.</a:t>
-            </a:r>
+              <a:t>В задачах «поиска» обычно используют две метрики:</a:t>
+            </a:r>
+          </a:p>
+          <a:p>
+            <a:r>
+              <a:rPr lang="ru-RU" dirty="0" smtClean="0"/>
+              <a:t>Точность = доля ошибочно найденных </a:t>
+            </a:r>
+            <a:r>
+              <a:rPr lang="en-US" dirty="0" smtClean="0"/>
+              <a:t>[</a:t>
+            </a:r>
+            <a:r>
+              <a:rPr lang="ru-RU" dirty="0" smtClean="0"/>
+              <a:t>ясных дней</a:t>
+            </a:r>
+            <a:r>
+              <a:rPr lang="en-US" dirty="0" smtClean="0"/>
+              <a:t>]</a:t>
+            </a:r>
+            <a:endParaRPr lang="ru-RU" dirty="0" smtClean="0"/>
+          </a:p>
+          <a:p>
+            <a:r>
+              <a:rPr lang="ru-RU" dirty="0" smtClean="0"/>
+              <a:t>Полнота = доля найденных </a:t>
+            </a:r>
+            <a:r>
+              <a:rPr lang="en-US" dirty="0" smtClean="0"/>
+              <a:t>[</a:t>
+            </a:r>
+            <a:r>
+              <a:rPr lang="ru-RU" dirty="0" smtClean="0"/>
+              <a:t>ясных дней</a:t>
+            </a:r>
+            <a:r>
+              <a:rPr lang="en-US" dirty="0" smtClean="0"/>
+              <a:t>]</a:t>
+            </a:r>
+            <a:endParaRPr lang="ru-RU" dirty="0" smtClean="0"/>
           </a:p>
           <a:p>
             <a:pPr marL="0" indent="0">
               <a:buNone/>
             </a:pPr>
-            <a:endParaRPr lang="ru-RU" dirty="0"/>
-          </a:p>
-          <a:p>
-            <a:pPr marL="0" indent="0">
-              <a:buNone/>
-            </a:pPr>
-            <a:r>
-              <a:rPr lang="ru-RU" dirty="0" smtClean="0"/>
-              <a:t>Теперь можно измерять согласие автоматического метода и человека-оценщика.</a:t>
-            </a:r>
-            <a:endParaRPr lang="ru-RU" dirty="0"/>
+            <a:endParaRPr lang="ru-RU" dirty="0" smtClean="0"/>
+          </a:p>
+          <a:p>
+            <a:endParaRPr lang="ru-RU" dirty="0" smtClean="0"/>
           </a:p>
         </p:txBody>
       </p:sp>
     </p:spTree>
     <p:extLst>
       <p:ext uri="{BB962C8B-B14F-4D97-AF65-F5344CB8AC3E}">
-        <p14:creationId xmlns:p14="http://schemas.microsoft.com/office/powerpoint/2010/main" val="3119327261"/>
+        <p14:creationId xmlns:p14="http://schemas.microsoft.com/office/powerpoint/2010/main" val="3558068966"/>
       </p:ext>
     </p:extLst>
   </p:cSld>
@@ -15839,20 +15883,13 @@
         <p:spPr/>
         <p:txBody>
           <a:bodyPr>
-            <a:normAutofit fontScale="90000"/>
+            <a:normAutofit/>
           </a:bodyPr>
           <a:lstStyle/>
           <a:p>
             <a:r>
               <a:rPr lang="ru-RU" dirty="0" smtClean="0"/>
-              <a:t>Интеллектуальные задачи.</a:t>
-            </a:r>
-            <a:br>
-              <a:rPr lang="ru-RU" dirty="0" smtClean="0"/>
-            </a:br>
-            <a:r>
-              <a:rPr lang="ru-RU" dirty="0" smtClean="0"/>
-              <a:t>Что такое качество?</a:t>
+              <a:t>Настройка алгоритма</a:t>
             </a:r>
             <a:endParaRPr lang="ru-RU" dirty="0"/>
           </a:p>
@@ -15878,70 +15915,30 @@
             </a:pPr>
             <a:r>
               <a:rPr lang="ru-RU" dirty="0" smtClean="0"/>
-              <a:t>В задачах «поиска» обычно используют две метрики:</a:t>
-            </a:r>
-          </a:p>
-          <a:p>
-            <a:r>
-              <a:rPr lang="ru-RU" dirty="0" smtClean="0"/>
-              <a:t>Точность = доля ошибочно </a:t>
-            </a:r>
-            <a:r>
-              <a:rPr lang="ru-RU" dirty="0" smtClean="0"/>
-              <a:t>найденных </a:t>
-            </a:r>
-            <a:r>
-              <a:rPr lang="en-US" dirty="0" smtClean="0"/>
-              <a:t>[</a:t>
-            </a:r>
-            <a:r>
-              <a:rPr lang="ru-RU" dirty="0" smtClean="0"/>
-              <a:t>ясных дней</a:t>
-            </a:r>
-            <a:r>
-              <a:rPr lang="en-US" dirty="0" smtClean="0"/>
-              <a:t>]</a:t>
-            </a:r>
-            <a:endParaRPr lang="ru-RU" dirty="0" smtClean="0"/>
-          </a:p>
-          <a:p>
-            <a:r>
-              <a:rPr lang="ru-RU" dirty="0" smtClean="0"/>
-              <a:t>Полнота = доля </a:t>
-            </a:r>
-            <a:r>
-              <a:rPr lang="ru-RU" dirty="0" smtClean="0"/>
-              <a:t>найденных </a:t>
-            </a:r>
-            <a:r>
-              <a:rPr lang="en-US" dirty="0" smtClean="0"/>
-              <a:t>[</a:t>
-            </a:r>
-            <a:r>
-              <a:rPr lang="ru-RU" dirty="0" smtClean="0"/>
-              <a:t>ясных дней</a:t>
-            </a:r>
-            <a:r>
-              <a:rPr lang="en-US" dirty="0" smtClean="0"/>
-              <a:t>]</a:t>
-            </a:r>
-            <a:endParaRPr lang="ru-RU" dirty="0" smtClean="0"/>
+              <a:t>Параметры алгоритма → точность/полнота</a:t>
+            </a:r>
           </a:p>
           <a:p>
             <a:pPr marL="0" indent="0">
               <a:buNone/>
             </a:pPr>
-            <a:endParaRPr lang="ru-RU" dirty="0" smtClean="0"/>
-          </a:p>
-          <a:p>
-            <a:endParaRPr lang="ru-RU" dirty="0" smtClean="0"/>
+            <a:endParaRPr lang="ru-RU" dirty="0"/>
+          </a:p>
+          <a:p>
+            <a:pPr marL="0" indent="0">
+              <a:buNone/>
+            </a:pPr>
+            <a:r>
+              <a:rPr lang="ru-RU" dirty="0" smtClean="0"/>
+              <a:t>Баланс точность/полнота определяется спецификой задачи.</a:t>
+            </a:r>
           </a:p>
         </p:txBody>
       </p:sp>
     </p:spTree>
     <p:extLst>
       <p:ext uri="{BB962C8B-B14F-4D97-AF65-F5344CB8AC3E}">
-        <p14:creationId xmlns:p14="http://schemas.microsoft.com/office/powerpoint/2010/main" val="3558068966"/>
+        <p14:creationId xmlns:p14="http://schemas.microsoft.com/office/powerpoint/2010/main" val="781030803"/>
       </p:ext>
     </p:extLst>
   </p:cSld>
@@ -15959,7 +15956,7 @@
 </file>
 
 <file path=ppt/slides/slide3.xml><?xml version="1.0" encoding="utf-8"?>
-<p:sld xmlns:a="http://schemas.openxmlformats.org/drawingml/2006/main" xmlns:r="http://schemas.openxmlformats.org/officeDocument/2006/relationships" xmlns:p="http://schemas.openxmlformats.org/presentationml/2006/main">
+<p:sld xmlns:a="http://schemas.openxmlformats.org/drawingml/2006/main" xmlns:r="http://schemas.openxmlformats.org/officeDocument/2006/relationships" xmlns:p="http://schemas.openxmlformats.org/presentationml/2006/main" show="0">
   <p:cSld>
     <p:spTree>
       <p:nvGrpSpPr>
@@ -16050,6 +16047,14 @@
   <p:clrMapOvr>
     <a:masterClrMapping/>
   </p:clrMapOvr>
+  <mc:AlternateContent xmlns:mc="http://schemas.openxmlformats.org/markup-compatibility/2006">
+    <mc:Choice xmlns:p14="http://schemas.microsoft.com/office/powerpoint/2010/main" Requires="p14">
+      <p:transition spd="slow" p14:dur="2000"/>
+    </mc:Choice>
+    <mc:Fallback>
+      <p:transition spd="slow"/>
+    </mc:Fallback>
+  </mc:AlternateContent>
   <p:timing>
     <p:tnLst>
       <p:par>
@@ -16229,112 +16234,6 @@
     <p:bldLst>
       <p:bldP spid="3" grpId="0" build="p"/>
     </p:bldLst>
-  </p:timing>
-</p:sld>
-</file>
-
-<file path=ppt/slides/slide30.xml><?xml version="1.0" encoding="utf-8"?>
-<p:sld xmlns:a="http://schemas.openxmlformats.org/drawingml/2006/main" xmlns:r="http://schemas.openxmlformats.org/officeDocument/2006/relationships" xmlns:p="http://schemas.openxmlformats.org/presentationml/2006/main">
-  <p:cSld>
-    <p:spTree>
-      <p:nvGrpSpPr>
-        <p:cNvPr id="1" name=""/>
-        <p:cNvGrpSpPr/>
-        <p:nvPr/>
-      </p:nvGrpSpPr>
-      <p:grpSpPr>
-        <a:xfrm>
-          <a:off x="0" y="0"/>
-          <a:ext cx="0" cy="0"/>
-          <a:chOff x="0" y="0"/>
-          <a:chExt cx="0" cy="0"/>
-        </a:xfrm>
-      </p:grpSpPr>
-      <p:sp>
-        <p:nvSpPr>
-          <p:cNvPr id="2" name="Заголовок 1"/>
-          <p:cNvSpPr>
-            <a:spLocks noGrp="1"/>
-          </p:cNvSpPr>
-          <p:nvPr>
-            <p:ph type="title"/>
-          </p:nvPr>
-        </p:nvSpPr>
-        <p:spPr/>
-        <p:txBody>
-          <a:bodyPr>
-            <a:normAutofit/>
-          </a:bodyPr>
-          <a:lstStyle/>
-          <a:p>
-            <a:r>
-              <a:rPr lang="ru-RU" dirty="0" smtClean="0"/>
-              <a:t>Настройка алгоритма</a:t>
-            </a:r>
-            <a:endParaRPr lang="ru-RU" dirty="0"/>
-          </a:p>
-        </p:txBody>
-      </p:sp>
-      <p:sp>
-        <p:nvSpPr>
-          <p:cNvPr id="3" name="Объект 2"/>
-          <p:cNvSpPr>
-            <a:spLocks noGrp="1"/>
-          </p:cNvSpPr>
-          <p:nvPr>
-            <p:ph idx="1"/>
-          </p:nvPr>
-        </p:nvSpPr>
-        <p:spPr/>
-        <p:txBody>
-          <a:bodyPr/>
-          <a:lstStyle/>
-          <a:p>
-            <a:pPr marL="0" indent="0">
-              <a:buNone/>
-            </a:pPr>
-            <a:r>
-              <a:rPr lang="ru-RU" dirty="0" smtClean="0"/>
-              <a:t>Параметры алгоритма → </a:t>
-            </a:r>
-            <a:r>
-              <a:rPr lang="ru-RU" dirty="0" smtClean="0"/>
-              <a:t>точность/полнота</a:t>
-            </a:r>
-          </a:p>
-          <a:p>
-            <a:pPr marL="0" indent="0">
-              <a:buNone/>
-            </a:pPr>
-            <a:endParaRPr lang="ru-RU" dirty="0"/>
-          </a:p>
-          <a:p>
-            <a:pPr marL="0" indent="0">
-              <a:buNone/>
-            </a:pPr>
-            <a:r>
-              <a:rPr lang="ru-RU" dirty="0" smtClean="0"/>
-              <a:t>Баланс точность/полнота определяется спецификой задачи.</a:t>
-            </a:r>
-          </a:p>
-        </p:txBody>
-      </p:sp>
-    </p:spTree>
-    <p:extLst>
-      <p:ext uri="{BB962C8B-B14F-4D97-AF65-F5344CB8AC3E}">
-        <p14:creationId xmlns:p14="http://schemas.microsoft.com/office/powerpoint/2010/main" val="781030803"/>
-      </p:ext>
-    </p:extLst>
-  </p:cSld>
-  <p:clrMapOvr>
-    <a:masterClrMapping/>
-  </p:clrMapOvr>
-  <p:timing>
-    <p:tnLst>
-      <p:par>
-        <p:cTn id="1" dur="indefinite" restart="never" nodeType="tmRoot"/>
-      </p:par>
-    </p:tnLst>
   </p:timing>
 </p:sld>
 </file>
